--- a/training_draft/machine_learning_intro.pptx
+++ b/training_draft/machine_learning_intro.pptx
@@ -5,15 +5,21 @@
     <p:sldMasterId id="2147483666" r:id="rId4"/>
   </p:sldMasterIdLst>
   <p:notesMasterIdLst>
-    <p:notesMasterId r:id="rId8"/>
+    <p:notesMasterId r:id="rId14"/>
   </p:notesMasterIdLst>
   <p:handoutMasterIdLst>
-    <p:handoutMasterId r:id="rId9"/>
+    <p:handoutMasterId r:id="rId15"/>
   </p:handoutMasterIdLst>
   <p:sldIdLst>
     <p:sldId id="391" r:id="rId5"/>
     <p:sldId id="416" r:id="rId6"/>
     <p:sldId id="417" r:id="rId7"/>
+    <p:sldId id="418" r:id="rId8"/>
+    <p:sldId id="419" r:id="rId9"/>
+    <p:sldId id="420" r:id="rId10"/>
+    <p:sldId id="421" r:id="rId11"/>
+    <p:sldId id="422" r:id="rId12"/>
+    <p:sldId id="423" r:id="rId13"/>
   </p:sldIdLst>
   <p:sldSz cx="6858000" cy="5143500"/>
   <p:notesSz cx="7010400" cy="9296400"/>
@@ -150,6 +156,12 @@
             <p14:sldId id="391"/>
             <p14:sldId id="416"/>
             <p14:sldId id="417"/>
+            <p14:sldId id="418"/>
+            <p14:sldId id="419"/>
+            <p14:sldId id="420"/>
+            <p14:sldId id="421"/>
+            <p14:sldId id="422"/>
+            <p14:sldId id="423"/>
           </p14:sldIdLst>
         </p14:section>
       </p14:sectionLst>
@@ -10087,7 +10099,7 @@
           <a:lstStyle/>
           <a:p>
             <a:r>
-              <a:rPr lang="en-US" altLang="zh-CN" sz="4000" b="1" dirty="0">
+              <a:rPr lang="en-US" altLang="zh-CN" sz="4000" b="1">
                 <a:ea typeface="宋体" charset="-122"/>
               </a:rPr>
               <a:t>Machine Learning Introduction</a:t>
@@ -10118,7 +10130,7 @@
           <a:p>
             <a:pPr lvl="8" algn="r"/>
             <a:r>
-              <a:rPr lang="en-US" altLang="zh-CN" dirty="0"/>
+              <a:rPr lang="en-US" altLang="zh-CN"/>
               <a:t>Deng Haijun 11/20/2016</a:t>
             </a:r>
             <a:endParaRPr lang="en-US" dirty="0"/>
@@ -10407,6 +10419,820 @@
     <p:extLst>
       <p:ext uri="{BB962C8B-B14F-4D97-AF65-F5344CB8AC3E}">
         <p14:creationId xmlns:p14="http://schemas.microsoft.com/office/powerpoint/2010/main" val="877143415"/>
+      </p:ext>
+    </p:extLst>
+  </p:cSld>
+  <p:clrMapOvr>
+    <a:masterClrMapping/>
+  </p:clrMapOvr>
+  <p:transition spd="med">
+    <p:fade/>
+  </p:transition>
+</p:sld>
+</file>
+
+<file path=ppt/slides/slide4.xml><?xml version="1.0" encoding="utf-8"?>
+<p:sld xmlns:a="http://schemas.openxmlformats.org/drawingml/2006/main" xmlns:r="http://schemas.openxmlformats.org/officeDocument/2006/relationships" xmlns:p="http://schemas.openxmlformats.org/presentationml/2006/main">
+  <p:cSld>
+    <p:spTree>
+      <p:nvGrpSpPr>
+        <p:cNvPr id="1" name=""/>
+        <p:cNvGrpSpPr/>
+        <p:nvPr/>
+      </p:nvGrpSpPr>
+      <p:grpSpPr>
+        <a:xfrm>
+          <a:off x="0" y="0"/>
+          <a:ext cx="0" cy="0"/>
+          <a:chOff x="0" y="0"/>
+          <a:chExt cx="0" cy="0"/>
+        </a:xfrm>
+      </p:grpSpPr>
+      <p:sp>
+        <p:nvSpPr>
+          <p:cNvPr id="2" name="Title 1"/>
+          <p:cNvSpPr>
+            <a:spLocks noGrp="1"/>
+          </p:cNvSpPr>
+          <p:nvPr>
+            <p:ph type="title"/>
+          </p:nvPr>
+        </p:nvSpPr>
+        <p:spPr>
+          <a:xfrm>
+            <a:off x="-1" y="218599"/>
+            <a:ext cx="6071879" cy="492443"/>
+          </a:xfrm>
+        </p:spPr>
+        <p:txBody>
+          <a:bodyPr/>
+          <a:lstStyle/>
+          <a:p>
+            <a:r>
+              <a:rPr lang="en-US" altLang="zh-CN" sz="3200" b="1" dirty="0">
+                <a:ea typeface="宋体" charset="-122"/>
+              </a:rPr>
+              <a:t>Logistic Regression </a:t>
+            </a:r>
+            <a:endParaRPr lang="en-US" sz="3200" b="1" dirty="0"/>
+          </a:p>
+        </p:txBody>
+      </p:sp>
+      <p:sp>
+        <p:nvSpPr>
+          <p:cNvPr id="4" name="Text Placeholder 3"/>
+          <p:cNvSpPr>
+            <a:spLocks noGrp="1"/>
+          </p:cNvSpPr>
+          <p:nvPr>
+            <p:ph type="body" sz="quarter" idx="4294967295"/>
+          </p:nvPr>
+        </p:nvSpPr>
+        <p:spPr>
+          <a:xfrm>
+            <a:off x="510541" y="960120"/>
+            <a:ext cx="5730240" cy="3558539"/>
+          </a:xfrm>
+          <a:prstGeom prst="rect">
+            <a:avLst/>
+          </a:prstGeom>
+        </p:spPr>
+        <p:txBody>
+          <a:bodyPr/>
+          <a:lstStyle/>
+          <a:p>
+            <a:pPr>
+              <a:lnSpc>
+                <a:spcPct val="100000"/>
+              </a:lnSpc>
+            </a:pPr>
+            <a:r>
+              <a:rPr lang="en-US" sz="2000" dirty="0"/>
+              <a:t>Learn by teach</a:t>
+            </a:r>
+          </a:p>
+          <a:p>
+            <a:pPr>
+              <a:lnSpc>
+                <a:spcPct val="100000"/>
+              </a:lnSpc>
+            </a:pPr>
+            <a:endParaRPr lang="en-US" sz="2000" dirty="0"/>
+          </a:p>
+          <a:p>
+            <a:pPr>
+              <a:lnSpc>
+                <a:spcPct val="100000"/>
+              </a:lnSpc>
+            </a:pPr>
+            <a:r>
+              <a:rPr lang="en-US" sz="2000" dirty="0"/>
+              <a:t>Learn to category </a:t>
+            </a:r>
+          </a:p>
+          <a:p>
+            <a:pPr>
+              <a:lnSpc>
+                <a:spcPct val="100000"/>
+              </a:lnSpc>
+            </a:pPr>
+            <a:endParaRPr lang="en-US" sz="2000" dirty="0"/>
+          </a:p>
+          <a:p>
+            <a:pPr>
+              <a:lnSpc>
+                <a:spcPct val="100000"/>
+              </a:lnSpc>
+            </a:pPr>
+            <a:r>
+              <a:rPr lang="en-US" sz="2000" dirty="0"/>
+              <a:t>Learn to predict</a:t>
+            </a:r>
+          </a:p>
+        </p:txBody>
+      </p:sp>
+    </p:spTree>
+    <p:extLst>
+      <p:ext uri="{BB962C8B-B14F-4D97-AF65-F5344CB8AC3E}">
+        <p14:creationId xmlns:p14="http://schemas.microsoft.com/office/powerpoint/2010/main" val="3987859120"/>
+      </p:ext>
+    </p:extLst>
+  </p:cSld>
+  <p:clrMapOvr>
+    <a:masterClrMapping/>
+  </p:clrMapOvr>
+  <p:transition spd="med">
+    <p:fade/>
+  </p:transition>
+</p:sld>
+</file>
+
+<file path=ppt/slides/slide5.xml><?xml version="1.0" encoding="utf-8"?>
+<p:sld xmlns:a="http://schemas.openxmlformats.org/drawingml/2006/main" xmlns:r="http://schemas.openxmlformats.org/officeDocument/2006/relationships" xmlns:p="http://schemas.openxmlformats.org/presentationml/2006/main">
+  <p:cSld>
+    <p:spTree>
+      <p:nvGrpSpPr>
+        <p:cNvPr id="1" name=""/>
+        <p:cNvGrpSpPr/>
+        <p:nvPr/>
+      </p:nvGrpSpPr>
+      <p:grpSpPr>
+        <a:xfrm>
+          <a:off x="0" y="0"/>
+          <a:ext cx="0" cy="0"/>
+          <a:chOff x="0" y="0"/>
+          <a:chExt cx="0" cy="0"/>
+        </a:xfrm>
+      </p:grpSpPr>
+      <p:sp>
+        <p:nvSpPr>
+          <p:cNvPr id="2" name="Title 1"/>
+          <p:cNvSpPr>
+            <a:spLocks noGrp="1"/>
+          </p:cNvSpPr>
+          <p:nvPr>
+            <p:ph type="title"/>
+          </p:nvPr>
+        </p:nvSpPr>
+        <p:spPr>
+          <a:xfrm>
+            <a:off x="-1" y="218599"/>
+            <a:ext cx="6071879" cy="492443"/>
+          </a:xfrm>
+        </p:spPr>
+        <p:txBody>
+          <a:bodyPr/>
+          <a:lstStyle/>
+          <a:p>
+            <a:r>
+              <a:rPr lang="en-US" altLang="zh-CN" sz="3200" b="1" dirty="0">
+                <a:ea typeface="宋体" charset="-122"/>
+              </a:rPr>
+              <a:t>Support Vector Machine </a:t>
+            </a:r>
+            <a:endParaRPr lang="en-US" sz="3200" b="1" dirty="0"/>
+          </a:p>
+        </p:txBody>
+      </p:sp>
+      <p:sp>
+        <p:nvSpPr>
+          <p:cNvPr id="4" name="Text Placeholder 3"/>
+          <p:cNvSpPr>
+            <a:spLocks noGrp="1"/>
+          </p:cNvSpPr>
+          <p:nvPr>
+            <p:ph type="body" sz="quarter" idx="4294967295"/>
+          </p:nvPr>
+        </p:nvSpPr>
+        <p:spPr>
+          <a:xfrm>
+            <a:off x="510541" y="960120"/>
+            <a:ext cx="5730240" cy="3558539"/>
+          </a:xfrm>
+          <a:prstGeom prst="rect">
+            <a:avLst/>
+          </a:prstGeom>
+        </p:spPr>
+        <p:txBody>
+          <a:bodyPr/>
+          <a:lstStyle/>
+          <a:p>
+            <a:pPr>
+              <a:lnSpc>
+                <a:spcPct val="100000"/>
+              </a:lnSpc>
+            </a:pPr>
+            <a:r>
+              <a:rPr lang="en-US" sz="2000" dirty="0"/>
+              <a:t>Learn by teach</a:t>
+            </a:r>
+          </a:p>
+          <a:p>
+            <a:pPr>
+              <a:lnSpc>
+                <a:spcPct val="100000"/>
+              </a:lnSpc>
+            </a:pPr>
+            <a:endParaRPr lang="en-US" sz="2000" dirty="0"/>
+          </a:p>
+          <a:p>
+            <a:pPr>
+              <a:lnSpc>
+                <a:spcPct val="100000"/>
+              </a:lnSpc>
+            </a:pPr>
+            <a:r>
+              <a:rPr lang="en-US" sz="2000" dirty="0"/>
+              <a:t>Learn to category </a:t>
+            </a:r>
+          </a:p>
+          <a:p>
+            <a:pPr>
+              <a:lnSpc>
+                <a:spcPct val="100000"/>
+              </a:lnSpc>
+            </a:pPr>
+            <a:endParaRPr lang="en-US" sz="2000" dirty="0"/>
+          </a:p>
+          <a:p>
+            <a:pPr>
+              <a:lnSpc>
+                <a:spcPct val="100000"/>
+              </a:lnSpc>
+            </a:pPr>
+            <a:r>
+              <a:rPr lang="en-US" sz="2000" dirty="0"/>
+              <a:t>Learn to predict</a:t>
+            </a:r>
+          </a:p>
+        </p:txBody>
+      </p:sp>
+    </p:spTree>
+    <p:extLst>
+      <p:ext uri="{BB962C8B-B14F-4D97-AF65-F5344CB8AC3E}">
+        <p14:creationId xmlns:p14="http://schemas.microsoft.com/office/powerpoint/2010/main" val="1819241164"/>
+      </p:ext>
+    </p:extLst>
+  </p:cSld>
+  <p:clrMapOvr>
+    <a:masterClrMapping/>
+  </p:clrMapOvr>
+  <p:transition spd="med">
+    <p:fade/>
+  </p:transition>
+</p:sld>
+</file>
+
+<file path=ppt/slides/slide6.xml><?xml version="1.0" encoding="utf-8"?>
+<p:sld xmlns:a="http://schemas.openxmlformats.org/drawingml/2006/main" xmlns:r="http://schemas.openxmlformats.org/officeDocument/2006/relationships" xmlns:p="http://schemas.openxmlformats.org/presentationml/2006/main">
+  <p:cSld>
+    <p:spTree>
+      <p:nvGrpSpPr>
+        <p:cNvPr id="1" name=""/>
+        <p:cNvGrpSpPr/>
+        <p:nvPr/>
+      </p:nvGrpSpPr>
+      <p:grpSpPr>
+        <a:xfrm>
+          <a:off x="0" y="0"/>
+          <a:ext cx="0" cy="0"/>
+          <a:chOff x="0" y="0"/>
+          <a:chExt cx="0" cy="0"/>
+        </a:xfrm>
+      </p:grpSpPr>
+      <p:sp>
+        <p:nvSpPr>
+          <p:cNvPr id="2" name="Title 1"/>
+          <p:cNvSpPr>
+            <a:spLocks noGrp="1"/>
+          </p:cNvSpPr>
+          <p:nvPr>
+            <p:ph type="title"/>
+          </p:nvPr>
+        </p:nvSpPr>
+        <p:spPr>
+          <a:xfrm>
+            <a:off x="-1" y="218599"/>
+            <a:ext cx="6071879" cy="492443"/>
+          </a:xfrm>
+        </p:spPr>
+        <p:txBody>
+          <a:bodyPr/>
+          <a:lstStyle/>
+          <a:p>
+            <a:r>
+              <a:rPr lang="en-US" altLang="zh-CN" sz="3200" b="1" dirty="0">
+                <a:ea typeface="宋体" charset="-122"/>
+              </a:rPr>
+              <a:t>K Nearest Neighbor </a:t>
+            </a:r>
+            <a:endParaRPr lang="en-US" sz="3200" b="1" dirty="0"/>
+          </a:p>
+        </p:txBody>
+      </p:sp>
+      <p:sp>
+        <p:nvSpPr>
+          <p:cNvPr id="4" name="Text Placeholder 3"/>
+          <p:cNvSpPr>
+            <a:spLocks noGrp="1"/>
+          </p:cNvSpPr>
+          <p:nvPr>
+            <p:ph type="body" sz="quarter" idx="4294967295"/>
+          </p:nvPr>
+        </p:nvSpPr>
+        <p:spPr>
+          <a:xfrm>
+            <a:off x="510541" y="960120"/>
+            <a:ext cx="5730240" cy="3558539"/>
+          </a:xfrm>
+          <a:prstGeom prst="rect">
+            <a:avLst/>
+          </a:prstGeom>
+        </p:spPr>
+        <p:txBody>
+          <a:bodyPr/>
+          <a:lstStyle/>
+          <a:p>
+            <a:pPr>
+              <a:lnSpc>
+                <a:spcPct val="100000"/>
+              </a:lnSpc>
+            </a:pPr>
+            <a:r>
+              <a:rPr lang="en-US" sz="2000" dirty="0"/>
+              <a:t>Learn by teach</a:t>
+            </a:r>
+          </a:p>
+          <a:p>
+            <a:pPr>
+              <a:lnSpc>
+                <a:spcPct val="100000"/>
+              </a:lnSpc>
+            </a:pPr>
+            <a:endParaRPr lang="en-US" sz="2000" dirty="0"/>
+          </a:p>
+          <a:p>
+            <a:pPr>
+              <a:lnSpc>
+                <a:spcPct val="100000"/>
+              </a:lnSpc>
+            </a:pPr>
+            <a:r>
+              <a:rPr lang="en-US" sz="2000" dirty="0"/>
+              <a:t>Learn to category </a:t>
+            </a:r>
+          </a:p>
+          <a:p>
+            <a:pPr>
+              <a:lnSpc>
+                <a:spcPct val="100000"/>
+              </a:lnSpc>
+            </a:pPr>
+            <a:endParaRPr lang="en-US" sz="2000" dirty="0"/>
+          </a:p>
+          <a:p>
+            <a:pPr>
+              <a:lnSpc>
+                <a:spcPct val="100000"/>
+              </a:lnSpc>
+            </a:pPr>
+            <a:r>
+              <a:rPr lang="en-US" sz="2000" dirty="0"/>
+              <a:t>Learn to predict</a:t>
+            </a:r>
+          </a:p>
+        </p:txBody>
+      </p:sp>
+    </p:spTree>
+    <p:extLst>
+      <p:ext uri="{BB962C8B-B14F-4D97-AF65-F5344CB8AC3E}">
+        <p14:creationId xmlns:p14="http://schemas.microsoft.com/office/powerpoint/2010/main" val="3917752929"/>
+      </p:ext>
+    </p:extLst>
+  </p:cSld>
+  <p:clrMapOvr>
+    <a:masterClrMapping/>
+  </p:clrMapOvr>
+  <p:transition spd="med">
+    <p:fade/>
+  </p:transition>
+</p:sld>
+</file>
+
+<file path=ppt/slides/slide7.xml><?xml version="1.0" encoding="utf-8"?>
+<p:sld xmlns:a="http://schemas.openxmlformats.org/drawingml/2006/main" xmlns:r="http://schemas.openxmlformats.org/officeDocument/2006/relationships" xmlns:p="http://schemas.openxmlformats.org/presentationml/2006/main">
+  <p:cSld>
+    <p:spTree>
+      <p:nvGrpSpPr>
+        <p:cNvPr id="1" name=""/>
+        <p:cNvGrpSpPr/>
+        <p:nvPr/>
+      </p:nvGrpSpPr>
+      <p:grpSpPr>
+        <a:xfrm>
+          <a:off x="0" y="0"/>
+          <a:ext cx="0" cy="0"/>
+          <a:chOff x="0" y="0"/>
+          <a:chExt cx="0" cy="0"/>
+        </a:xfrm>
+      </p:grpSpPr>
+      <p:sp>
+        <p:nvSpPr>
+          <p:cNvPr id="2" name="Title 1"/>
+          <p:cNvSpPr>
+            <a:spLocks noGrp="1"/>
+          </p:cNvSpPr>
+          <p:nvPr>
+            <p:ph type="title"/>
+          </p:nvPr>
+        </p:nvSpPr>
+        <p:spPr>
+          <a:xfrm>
+            <a:off x="-1" y="218599"/>
+            <a:ext cx="6071879" cy="492443"/>
+          </a:xfrm>
+        </p:spPr>
+        <p:txBody>
+          <a:bodyPr/>
+          <a:lstStyle/>
+          <a:p>
+            <a:r>
+              <a:rPr lang="en-US" sz="3200" b="1" dirty="0">
+                <a:ea typeface="宋体" charset="-122"/>
+              </a:rPr>
+              <a:t>K-means</a:t>
+            </a:r>
+            <a:endParaRPr lang="en-US" sz="3200" b="1" dirty="0"/>
+          </a:p>
+        </p:txBody>
+      </p:sp>
+      <p:sp>
+        <p:nvSpPr>
+          <p:cNvPr id="4" name="Text Placeholder 3"/>
+          <p:cNvSpPr>
+            <a:spLocks noGrp="1"/>
+          </p:cNvSpPr>
+          <p:nvPr>
+            <p:ph type="body" sz="quarter" idx="4294967295"/>
+          </p:nvPr>
+        </p:nvSpPr>
+        <p:spPr>
+          <a:xfrm>
+            <a:off x="510541" y="960120"/>
+            <a:ext cx="5730240" cy="3558539"/>
+          </a:xfrm>
+          <a:prstGeom prst="rect">
+            <a:avLst/>
+          </a:prstGeom>
+        </p:spPr>
+        <p:txBody>
+          <a:bodyPr/>
+          <a:lstStyle/>
+          <a:p>
+            <a:pPr>
+              <a:lnSpc>
+                <a:spcPct val="100000"/>
+              </a:lnSpc>
+            </a:pPr>
+            <a:r>
+              <a:rPr lang="en-US" sz="2000" dirty="0"/>
+              <a:t>Learn by teach</a:t>
+            </a:r>
+          </a:p>
+          <a:p>
+            <a:pPr>
+              <a:lnSpc>
+                <a:spcPct val="100000"/>
+              </a:lnSpc>
+            </a:pPr>
+            <a:endParaRPr lang="en-US" sz="2000" dirty="0"/>
+          </a:p>
+          <a:p>
+            <a:pPr>
+              <a:lnSpc>
+                <a:spcPct val="100000"/>
+              </a:lnSpc>
+            </a:pPr>
+            <a:r>
+              <a:rPr lang="en-US" sz="2000" dirty="0"/>
+              <a:t>Learn to category </a:t>
+            </a:r>
+          </a:p>
+          <a:p>
+            <a:pPr>
+              <a:lnSpc>
+                <a:spcPct val="100000"/>
+              </a:lnSpc>
+            </a:pPr>
+            <a:endParaRPr lang="en-US" sz="2000" dirty="0"/>
+          </a:p>
+          <a:p>
+            <a:pPr>
+              <a:lnSpc>
+                <a:spcPct val="100000"/>
+              </a:lnSpc>
+            </a:pPr>
+            <a:r>
+              <a:rPr lang="en-US" sz="2000" dirty="0"/>
+              <a:t>Learn to predict</a:t>
+            </a:r>
+          </a:p>
+        </p:txBody>
+      </p:sp>
+    </p:spTree>
+    <p:extLst>
+      <p:ext uri="{BB962C8B-B14F-4D97-AF65-F5344CB8AC3E}">
+        <p14:creationId xmlns:p14="http://schemas.microsoft.com/office/powerpoint/2010/main" val="915601405"/>
+      </p:ext>
+    </p:extLst>
+  </p:cSld>
+  <p:clrMapOvr>
+    <a:masterClrMapping/>
+  </p:clrMapOvr>
+  <p:transition spd="med">
+    <p:fade/>
+  </p:transition>
+</p:sld>
+</file>
+
+<file path=ppt/slides/slide8.xml><?xml version="1.0" encoding="utf-8"?>
+<p:sld xmlns:a="http://schemas.openxmlformats.org/drawingml/2006/main" xmlns:r="http://schemas.openxmlformats.org/officeDocument/2006/relationships" xmlns:p="http://schemas.openxmlformats.org/presentationml/2006/main">
+  <p:cSld>
+    <p:spTree>
+      <p:nvGrpSpPr>
+        <p:cNvPr id="1" name=""/>
+        <p:cNvGrpSpPr/>
+        <p:nvPr/>
+      </p:nvGrpSpPr>
+      <p:grpSpPr>
+        <a:xfrm>
+          <a:off x="0" y="0"/>
+          <a:ext cx="0" cy="0"/>
+          <a:chOff x="0" y="0"/>
+          <a:chExt cx="0" cy="0"/>
+        </a:xfrm>
+      </p:grpSpPr>
+      <p:sp>
+        <p:nvSpPr>
+          <p:cNvPr id="2" name="Title 1"/>
+          <p:cNvSpPr>
+            <a:spLocks noGrp="1"/>
+          </p:cNvSpPr>
+          <p:nvPr>
+            <p:ph type="title"/>
+          </p:nvPr>
+        </p:nvSpPr>
+        <p:spPr>
+          <a:xfrm>
+            <a:off x="-1" y="218599"/>
+            <a:ext cx="6071879" cy="492443"/>
+          </a:xfrm>
+        </p:spPr>
+        <p:txBody>
+          <a:bodyPr/>
+          <a:lstStyle/>
+          <a:p>
+            <a:r>
+              <a:rPr lang="en-US" altLang="zh-CN" sz="3200" b="1" dirty="0">
+                <a:ea typeface="宋体" charset="-122"/>
+              </a:rPr>
+              <a:t>Mean Shift</a:t>
+            </a:r>
+            <a:endParaRPr lang="en-US" sz="3200" b="1" dirty="0"/>
+          </a:p>
+        </p:txBody>
+      </p:sp>
+      <p:sp>
+        <p:nvSpPr>
+          <p:cNvPr id="4" name="Text Placeholder 3"/>
+          <p:cNvSpPr>
+            <a:spLocks noGrp="1"/>
+          </p:cNvSpPr>
+          <p:nvPr>
+            <p:ph type="body" sz="quarter" idx="4294967295"/>
+          </p:nvPr>
+        </p:nvSpPr>
+        <p:spPr>
+          <a:xfrm>
+            <a:off x="510541" y="960120"/>
+            <a:ext cx="5730240" cy="3558539"/>
+          </a:xfrm>
+          <a:prstGeom prst="rect">
+            <a:avLst/>
+          </a:prstGeom>
+        </p:spPr>
+        <p:txBody>
+          <a:bodyPr/>
+          <a:lstStyle/>
+          <a:p>
+            <a:pPr>
+              <a:lnSpc>
+                <a:spcPct val="100000"/>
+              </a:lnSpc>
+            </a:pPr>
+            <a:r>
+              <a:rPr lang="en-US" sz="2000" dirty="0"/>
+              <a:t>Learn by teach</a:t>
+            </a:r>
+          </a:p>
+          <a:p>
+            <a:pPr>
+              <a:lnSpc>
+                <a:spcPct val="100000"/>
+              </a:lnSpc>
+            </a:pPr>
+            <a:endParaRPr lang="en-US" sz="2000" dirty="0"/>
+          </a:p>
+          <a:p>
+            <a:pPr>
+              <a:lnSpc>
+                <a:spcPct val="100000"/>
+              </a:lnSpc>
+            </a:pPr>
+            <a:r>
+              <a:rPr lang="en-US" sz="2000" dirty="0"/>
+              <a:t>Learn to category </a:t>
+            </a:r>
+          </a:p>
+          <a:p>
+            <a:pPr>
+              <a:lnSpc>
+                <a:spcPct val="100000"/>
+              </a:lnSpc>
+            </a:pPr>
+            <a:endParaRPr lang="en-US" sz="2000" dirty="0"/>
+          </a:p>
+          <a:p>
+            <a:pPr>
+              <a:lnSpc>
+                <a:spcPct val="100000"/>
+              </a:lnSpc>
+            </a:pPr>
+            <a:r>
+              <a:rPr lang="en-US" sz="2000" dirty="0"/>
+              <a:t>Learn to predict</a:t>
+            </a:r>
+          </a:p>
+        </p:txBody>
+      </p:sp>
+    </p:spTree>
+    <p:extLst>
+      <p:ext uri="{BB962C8B-B14F-4D97-AF65-F5344CB8AC3E}">
+        <p14:creationId xmlns:p14="http://schemas.microsoft.com/office/powerpoint/2010/main" val="784530066"/>
+      </p:ext>
+    </p:extLst>
+  </p:cSld>
+  <p:clrMapOvr>
+    <a:masterClrMapping/>
+  </p:clrMapOvr>
+  <p:transition spd="med">
+    <p:fade/>
+  </p:transition>
+</p:sld>
+</file>
+
+<file path=ppt/slides/slide9.xml><?xml version="1.0" encoding="utf-8"?>
+<p:sld xmlns:a="http://schemas.openxmlformats.org/drawingml/2006/main" xmlns:r="http://schemas.openxmlformats.org/officeDocument/2006/relationships" xmlns:p="http://schemas.openxmlformats.org/presentationml/2006/main">
+  <p:cSld>
+    <p:spTree>
+      <p:nvGrpSpPr>
+        <p:cNvPr id="1" name=""/>
+        <p:cNvGrpSpPr/>
+        <p:nvPr/>
+      </p:nvGrpSpPr>
+      <p:grpSpPr>
+        <a:xfrm>
+          <a:off x="0" y="0"/>
+          <a:ext cx="0" cy="0"/>
+          <a:chOff x="0" y="0"/>
+          <a:chExt cx="0" cy="0"/>
+        </a:xfrm>
+      </p:grpSpPr>
+      <p:sp>
+        <p:nvSpPr>
+          <p:cNvPr id="2" name="Title 1"/>
+          <p:cNvSpPr>
+            <a:spLocks noGrp="1"/>
+          </p:cNvSpPr>
+          <p:nvPr>
+            <p:ph type="title"/>
+          </p:nvPr>
+        </p:nvSpPr>
+        <p:spPr>
+          <a:xfrm>
+            <a:off x="-1" y="218599"/>
+            <a:ext cx="6071879" cy="492443"/>
+          </a:xfrm>
+        </p:spPr>
+        <p:txBody>
+          <a:bodyPr/>
+          <a:lstStyle/>
+          <a:p>
+            <a:r>
+              <a:rPr lang="en-US" sz="3200" b="1" dirty="0" err="1"/>
+              <a:t>Bayers</a:t>
+            </a:r>
+            <a:endParaRPr lang="en-US" sz="3200" b="1" dirty="0"/>
+          </a:p>
+        </p:txBody>
+      </p:sp>
+      <p:sp>
+        <p:nvSpPr>
+          <p:cNvPr id="4" name="Text Placeholder 3"/>
+          <p:cNvSpPr>
+            <a:spLocks noGrp="1"/>
+          </p:cNvSpPr>
+          <p:nvPr>
+            <p:ph type="body" sz="quarter" idx="4294967295"/>
+          </p:nvPr>
+        </p:nvSpPr>
+        <p:spPr>
+          <a:xfrm>
+            <a:off x="510541" y="960120"/>
+            <a:ext cx="5730240" cy="3558539"/>
+          </a:xfrm>
+          <a:prstGeom prst="rect">
+            <a:avLst/>
+          </a:prstGeom>
+        </p:spPr>
+        <p:txBody>
+          <a:bodyPr/>
+          <a:lstStyle/>
+          <a:p>
+            <a:pPr>
+              <a:lnSpc>
+                <a:spcPct val="100000"/>
+              </a:lnSpc>
+            </a:pPr>
+            <a:r>
+              <a:rPr lang="en-US" sz="2000" dirty="0"/>
+              <a:t>Learn by teach</a:t>
+            </a:r>
+          </a:p>
+          <a:p>
+            <a:pPr>
+              <a:lnSpc>
+                <a:spcPct val="100000"/>
+              </a:lnSpc>
+            </a:pPr>
+            <a:endParaRPr lang="en-US" sz="2000" dirty="0"/>
+          </a:p>
+          <a:p>
+            <a:pPr>
+              <a:lnSpc>
+                <a:spcPct val="100000"/>
+              </a:lnSpc>
+            </a:pPr>
+            <a:r>
+              <a:rPr lang="en-US" sz="2000" dirty="0"/>
+              <a:t>Learn to category </a:t>
+            </a:r>
+          </a:p>
+          <a:p>
+            <a:pPr>
+              <a:lnSpc>
+                <a:spcPct val="100000"/>
+              </a:lnSpc>
+            </a:pPr>
+            <a:endParaRPr lang="en-US" sz="2000" dirty="0"/>
+          </a:p>
+          <a:p>
+            <a:pPr>
+              <a:lnSpc>
+                <a:spcPct val="100000"/>
+              </a:lnSpc>
+            </a:pPr>
+            <a:r>
+              <a:rPr lang="en-US" sz="2000" dirty="0"/>
+              <a:t>Learn to predict</a:t>
+            </a:r>
+          </a:p>
+        </p:txBody>
+      </p:sp>
+    </p:spTree>
+    <p:extLst>
+      <p:ext uri="{BB962C8B-B14F-4D97-AF65-F5344CB8AC3E}">
+        <p14:creationId xmlns:p14="http://schemas.microsoft.com/office/powerpoint/2010/main" val="1664576481"/>
       </p:ext>
     </p:extLst>
   </p:cSld>
@@ -11378,9 +12204,12 @@
 </file>
 
 <file path=customXml/item1.xml><?xml version="1.0" encoding="utf-8"?>
-<p:properties xmlns:p="http://schemas.microsoft.com/office/2006/metadata/properties" xmlns:xsi="http://www.w3.org/2001/XMLSchema-instance" xmlns:pc="http://schemas.microsoft.com/office/infopath/2007/PartnerControls">
-  <documentManagement/>
-</p:properties>
+<?mso-contentType ?>
+<FormTemplates xmlns="http://schemas.microsoft.com/sharepoint/v3/contenttype/forms">
+  <Display>DocumentLibraryForm</Display>
+  <Edit>DocumentLibraryForm</Edit>
+  <New>DocumentLibraryForm</New>
+</FormTemplates>
 </file>
 
 <file path=customXml/item2.xml><?xml version="1.0" encoding="utf-8"?>
@@ -11532,26 +12361,15 @@
 </file>
 
 <file path=customXml/item3.xml><?xml version="1.0" encoding="utf-8"?>
-<?mso-contentType ?>
-<FormTemplates xmlns="http://schemas.microsoft.com/sharepoint/v3/contenttype/forms">
-  <Display>DocumentLibraryForm</Display>
-  <Edit>DocumentLibraryForm</Edit>
-  <New>DocumentLibraryForm</New>
-</FormTemplates>
+<p:properties xmlns:p="http://schemas.microsoft.com/office/2006/metadata/properties" xmlns:xsi="http://www.w3.org/2001/XMLSchema-instance" xmlns:pc="http://schemas.microsoft.com/office/infopath/2007/PartnerControls">
+  <documentManagement/>
+</p:properties>
 </file>
 
 <file path=customXml/itemProps1.xml><?xml version="1.0" encoding="utf-8"?>
-<ds:datastoreItem xmlns:ds="http://schemas.openxmlformats.org/officeDocument/2006/customXml" ds:itemID="{73EF4709-E2D2-428A-91B7-55B8F4B5AAB9}">
+<ds:datastoreItem xmlns:ds="http://schemas.openxmlformats.org/officeDocument/2006/customXml" ds:itemID="{BF5FE548-D476-450C-8CC7-D0B2EF2AD986}">
   <ds:schemaRefs>
-    <ds:schemaRef ds:uri="http://purl.org/dc/terms/"/>
-    <ds:schemaRef ds:uri="http://schemas.openxmlformats.org/package/2006/metadata/core-properties"/>
-    <ds:schemaRef ds:uri="30ad1f85-2876-4c3c-9e27-f46b1bef01a7"/>
-    <ds:schemaRef ds:uri="http://purl.org/dc/dcmitype/"/>
-    <ds:schemaRef ds:uri="http://schemas.microsoft.com/office/infopath/2007/PartnerControls"/>
-    <ds:schemaRef ds:uri="http://schemas.microsoft.com/office/2006/documentManagement/types"/>
-    <ds:schemaRef ds:uri="http://purl.org/dc/elements/1.1/"/>
-    <ds:schemaRef ds:uri="http://schemas.microsoft.com/office/2006/metadata/properties"/>
-    <ds:schemaRef ds:uri="http://www.w3.org/XML/1998/namespace"/>
+    <ds:schemaRef ds:uri="http://schemas.microsoft.com/sharepoint/v3/contenttype/forms"/>
   </ds:schemaRefs>
 </ds:datastoreItem>
 </file>
@@ -11575,9 +12393,17 @@
 </file>
 
 <file path=customXml/itemProps3.xml><?xml version="1.0" encoding="utf-8"?>
-<ds:datastoreItem xmlns:ds="http://schemas.openxmlformats.org/officeDocument/2006/customXml" ds:itemID="{BF5FE548-D476-450C-8CC7-D0B2EF2AD986}">
+<ds:datastoreItem xmlns:ds="http://schemas.openxmlformats.org/officeDocument/2006/customXml" ds:itemID="{73EF4709-E2D2-428A-91B7-55B8F4B5AAB9}">
   <ds:schemaRefs>
-    <ds:schemaRef ds:uri="http://schemas.microsoft.com/sharepoint/v3/contenttype/forms"/>
+    <ds:schemaRef ds:uri="http://schemas.microsoft.com/office/2006/documentManagement/types"/>
+    <ds:schemaRef ds:uri="http://purl.org/dc/terms/"/>
+    <ds:schemaRef ds:uri="http://schemas.openxmlformats.org/package/2006/metadata/core-properties"/>
+    <ds:schemaRef ds:uri="30ad1f85-2876-4c3c-9e27-f46b1bef01a7"/>
+    <ds:schemaRef ds:uri="http://purl.org/dc/dcmitype/"/>
+    <ds:schemaRef ds:uri="http://schemas.microsoft.com/office/infopath/2007/PartnerControls"/>
+    <ds:schemaRef ds:uri="http://purl.org/dc/elements/1.1/"/>
+    <ds:schemaRef ds:uri="http://schemas.microsoft.com/office/2006/metadata/properties"/>
+    <ds:schemaRef ds:uri="http://www.w3.org/XML/1998/namespace"/>
   </ds:schemaRefs>
 </ds:datastoreItem>
 </file>